--- a/СГТУ 6 сем/_Курсовые/КонфKPU/МобилкаКузнецов.pptx
+++ b/СГТУ 6 сем/_Курсовые/КонфKPU/МобилкаКузнецов.pptx
@@ -3810,8 +3810,8 @@
         </p:blipFill>
         <p:spPr>
           <a:xfrm>
-            <a:off x="4733925" y="-588992"/>
-            <a:ext cx="3257550" cy="7446992"/>
+            <a:off x="4646045" y="114300"/>
+            <a:ext cx="2899909" cy="6629400"/>
           </a:xfrm>
         </p:spPr>
       </p:pic>
